--- a/files/Solucion-Big-Data-para-UNALWater.pptx
+++ b/files/Solucion-Big-Data-para-UNALWater.pptx
@@ -879,17 +879,17 @@
       </dgm:t>
     </dgm:pt>
     <dgm:pt modelId="{56F84D8B-2346-43B4-8C7E-45406A223585}">
-      <dgm:prSet phldrT="[Texto]"/>
+      <dgm:prSet phldrT="[Texto]" custT="1"/>
       <dgm:spPr/>
       <dgm:t>
         <a:bodyPr/>
         <a:lstStyle/>
         <a:p>
           <a:r>
-            <a:rPr lang="es-CO" dirty="0" err="1"/>
+            <a:rPr lang="es-CO" sz="2400" dirty="0" err="1"/>
             <a:t>Bronze</a:t>
           </a:r>
-          <a:endParaRPr lang="es-CO" dirty="0"/>
+          <a:endParaRPr lang="es-CO" sz="2400" dirty="0"/>
         </a:p>
       </dgm:t>
     </dgm:pt>
@@ -952,16 +952,17 @@
       </dgm:t>
     </dgm:pt>
     <dgm:pt modelId="{778A57B2-AF9B-4199-899E-1AF93C832705}">
-      <dgm:prSet phldrT="[Texto]"/>
+      <dgm:prSet phldrT="[Texto]" custT="1"/>
       <dgm:spPr/>
       <dgm:t>
         <a:bodyPr/>
         <a:lstStyle/>
         <a:p>
           <a:r>
-            <a:rPr lang="es-CO" dirty="0"/>
+            <a:rPr lang="es-CO" sz="2400" dirty="0"/>
             <a:t>Silver</a:t>
           </a:r>
+          <a:endParaRPr lang="es-CO" sz="1800" dirty="0"/>
         </a:p>
       </dgm:t>
     </dgm:pt>
@@ -1000,7 +1001,7 @@
           </a:r>
           <a:r>
             <a:rPr lang="es-CO" dirty="0"/>
-            <a:t>, </a:t>
+            <a:t> </a:t>
           </a:r>
         </a:p>
       </dgm:t>
@@ -1028,16 +1029,17 @@
       </dgm:t>
     </dgm:pt>
     <dgm:pt modelId="{61EDCE88-308B-43B9-9E41-149BF9BF83F7}">
-      <dgm:prSet phldrT="[Texto]"/>
+      <dgm:prSet phldrT="[Texto]" custT="1"/>
       <dgm:spPr/>
       <dgm:t>
         <a:bodyPr/>
         <a:lstStyle/>
         <a:p>
           <a:r>
-            <a:rPr lang="es-CO" dirty="0"/>
+            <a:rPr lang="es-CO" sz="2400" dirty="0"/>
             <a:t>Gold</a:t>
           </a:r>
+          <a:endParaRPr lang="es-CO" sz="1800" dirty="0"/>
         </a:p>
       </dgm:t>
     </dgm:pt>
@@ -1121,7 +1123,7 @@
           </a:r>
           <a:r>
             <a:rPr lang="es-CO" dirty="0"/>
-            <a:t>, </a:t>
+            <a:t> </a:t>
           </a:r>
         </a:p>
       </dgm:t>
@@ -1156,8 +1158,8 @@
         <a:lstStyle/>
         <a:p>
           <a:r>
-            <a:rPr lang="es-CO"/>
-            <a:t> date, </a:t>
+            <a:rPr lang="es-CO" dirty="0"/>
+            <a:t> date </a:t>
           </a:r>
         </a:p>
       </dgm:t>
@@ -1192,8 +1194,16 @@
         <a:lstStyle/>
         <a:p>
           <a:r>
-            <a:rPr lang="es-CO"/>
-            <a:t> customer_id, </a:t>
+            <a:rPr lang="es-CO" dirty="0"/>
+            <a:t> </a:t>
+          </a:r>
+          <a:r>
+            <a:rPr lang="es-CO" dirty="0" err="1"/>
+            <a:t>customer_id</a:t>
+          </a:r>
+          <a:r>
+            <a:rPr lang="es-CO" dirty="0"/>
+            <a:t> </a:t>
           </a:r>
         </a:p>
       </dgm:t>
@@ -1228,8 +1238,16 @@
         <a:lstStyle/>
         <a:p>
           <a:r>
-            <a:rPr lang="es-CO"/>
-            <a:t> employee_id, </a:t>
+            <a:rPr lang="es-CO" dirty="0"/>
+            <a:t> </a:t>
+          </a:r>
+          <a:r>
+            <a:rPr lang="es-CO" dirty="0" err="1"/>
+            <a:t>employee_id</a:t>
+          </a:r>
+          <a:r>
+            <a:rPr lang="es-CO" dirty="0"/>
+            <a:t> </a:t>
           </a:r>
         </a:p>
       </dgm:t>
@@ -1264,9 +1282,14 @@
         <a:lstStyle/>
         <a:p>
           <a:r>
-            <a:rPr lang="es-CO"/>
-            <a:t> quantity_products</a:t>
-          </a:r>
+            <a:rPr lang="es-CO" dirty="0"/>
+            <a:t> </a:t>
+          </a:r>
+          <a:r>
+            <a:rPr lang="es-CO" dirty="0" err="1"/>
+            <a:t>quantity_products</a:t>
+          </a:r>
+          <a:endParaRPr lang="es-CO" dirty="0"/>
         </a:p>
       </dgm:t>
     </dgm:pt>
@@ -1300,9 +1323,14 @@
         <a:lstStyle/>
         <a:p>
           <a:r>
-            <a:rPr lang="es-CO"/>
-            <a:t> order_id, </a:t>
-          </a:r>
+            <a:rPr lang="es-CO" dirty="0"/>
+            <a:t> </a:t>
+          </a:r>
+          <a:r>
+            <a:rPr lang="es-CO" dirty="0" err="1"/>
+            <a:t>order_id</a:t>
+          </a:r>
+          <a:endParaRPr lang="es-CO" dirty="0"/>
         </a:p>
       </dgm:t>
     </dgm:pt>
@@ -1336,8 +1364,16 @@
         <a:lstStyle/>
         <a:p>
           <a:r>
-            <a:rPr lang="es-CO"/>
-            <a:t> commune_code, </a:t>
+            <a:rPr lang="es-CO" dirty="0"/>
+            <a:t> </a:t>
+          </a:r>
+          <a:r>
+            <a:rPr lang="es-CO" dirty="0" err="1"/>
+            <a:t>commune_code</a:t>
+          </a:r>
+          <a:r>
+            <a:rPr lang="es-CO" dirty="0"/>
+            <a:t> </a:t>
           </a:r>
         </a:p>
       </dgm:t>
@@ -1372,8 +1408,16 @@
         <a:lstStyle/>
         <a:p>
           <a:r>
-            <a:rPr lang="es-CO"/>
-            <a:t> commune_name, </a:t>
+            <a:rPr lang="es-CO" dirty="0"/>
+            <a:t> </a:t>
+          </a:r>
+          <a:r>
+            <a:rPr lang="es-CO" dirty="0" err="1"/>
+            <a:t>commune_name</a:t>
+          </a:r>
+          <a:r>
+            <a:rPr lang="es-CO" dirty="0"/>
+            <a:t> </a:t>
           </a:r>
         </a:p>
       </dgm:t>
@@ -1408,8 +1452,16 @@
         <a:lstStyle/>
         <a:p>
           <a:r>
-            <a:rPr lang="es-CO"/>
-            <a:t> customer_name, </a:t>
+            <a:rPr lang="es-CO" dirty="0"/>
+            <a:t> </a:t>
+          </a:r>
+          <a:r>
+            <a:rPr lang="es-CO" dirty="0" err="1"/>
+            <a:t>customer_name</a:t>
+          </a:r>
+          <a:r>
+            <a:rPr lang="es-CO" dirty="0"/>
+            <a:t> </a:t>
           </a:r>
         </a:p>
       </dgm:t>
@@ -1444,8 +1496,16 @@
         <a:lstStyle/>
         <a:p>
           <a:r>
-            <a:rPr lang="es-CO"/>
-            <a:t> employee_name, </a:t>
+            <a:rPr lang="es-CO" dirty="0"/>
+            <a:t> </a:t>
+          </a:r>
+          <a:r>
+            <a:rPr lang="es-CO" dirty="0" err="1"/>
+            <a:t>employee_name</a:t>
+          </a:r>
+          <a:r>
+            <a:rPr lang="es-CO" dirty="0"/>
+            <a:t> </a:t>
           </a:r>
         </a:p>
       </dgm:t>
@@ -1521,8 +1581,8 @@
         <a:lstStyle/>
         <a:p>
           <a:r>
-            <a:rPr lang="es-CO"/>
-            <a:t>sales, </a:t>
+            <a:rPr lang="es-CO" dirty="0"/>
+            <a:t>sales </a:t>
           </a:r>
         </a:p>
       </dgm:t>
@@ -1557,8 +1617,12 @@
         <a:lstStyle/>
         <a:p>
           <a:r>
-            <a:rPr lang="es-CO"/>
-            <a:t>commission_value, </a:t>
+            <a:rPr lang="es-CO" dirty="0" err="1"/>
+            <a:t>commission_value</a:t>
+          </a:r>
+          <a:r>
+            <a:rPr lang="es-CO" dirty="0"/>
+            <a:t> </a:t>
           </a:r>
         </a:p>
       </dgm:t>
@@ -1593,9 +1657,10 @@
         <a:lstStyle/>
         <a:p>
           <a:r>
-            <a:rPr lang="es-CO"/>
-            <a:t>year, </a:t>
-          </a:r>
+            <a:rPr lang="es-CO" dirty="0" err="1"/>
+            <a:t>year</a:t>
+          </a:r>
+          <a:endParaRPr lang="es-CO" dirty="0"/>
         </a:p>
       </dgm:t>
     </dgm:pt>
@@ -1629,8 +1694,12 @@
         <a:lstStyle/>
         <a:p>
           <a:r>
-            <a:rPr lang="es-CO"/>
-            <a:t>month, </a:t>
+            <a:rPr lang="es-CO" dirty="0" err="1"/>
+            <a:t>month</a:t>
+          </a:r>
+          <a:r>
+            <a:rPr lang="es-CO" dirty="0"/>
+            <a:t> </a:t>
           </a:r>
         </a:p>
       </dgm:t>
@@ -1665,8 +1734,12 @@
         <a:lstStyle/>
         <a:p>
           <a:r>
-            <a:rPr lang="es-CO"/>
-            <a:t>day_month, </a:t>
+            <a:rPr lang="es-CO" dirty="0" err="1"/>
+            <a:t>day_month</a:t>
+          </a:r>
+          <a:r>
+            <a:rPr lang="es-CO" dirty="0"/>
+            <a:t> </a:t>
           </a:r>
         </a:p>
       </dgm:t>
@@ -1701,9 +1774,10 @@
         <a:lstStyle/>
         <a:p>
           <a:r>
-            <a:rPr lang="es-CO"/>
-            <a:t>day_week, </a:t>
-          </a:r>
+            <a:rPr lang="es-CO" dirty="0" err="1"/>
+            <a:t>day_week</a:t>
+          </a:r>
+          <a:endParaRPr lang="es-CO" dirty="0"/>
         </a:p>
       </dgm:t>
     </dgm:pt>
@@ -1737,9 +1811,10 @@
         <a:lstStyle/>
         <a:p>
           <a:r>
-            <a:rPr lang="es-CO"/>
-            <a:t>hour, </a:t>
-          </a:r>
+            <a:rPr lang="es-CO" dirty="0" err="1"/>
+            <a:t>hour</a:t>
+          </a:r>
+          <a:endParaRPr lang="es-CO" dirty="0"/>
         </a:p>
       </dgm:t>
     </dgm:pt>
@@ -1773,8 +1848,8 @@
         <a:lstStyle/>
         <a:p>
           <a:r>
-            <a:rPr lang="es-CO"/>
-            <a:t>minute, </a:t>
+            <a:rPr lang="es-CO" dirty="0"/>
+            <a:t>minute </a:t>
           </a:r>
         </a:p>
       </dgm:t>
@@ -1814,7 +1889,7 @@
           </a:r>
           <a:r>
             <a:rPr lang="es-CO" dirty="0"/>
-            <a:t>, </a:t>
+            <a:t> </a:t>
           </a:r>
         </a:p>
       </dgm:t>
@@ -1885,12 +1960,16 @@
         <a:lstStyle/>
         <a:p>
           <a:r>
+            <a:rPr lang="es-CO" dirty="0"/>
+            <a:t> </a:t>
+          </a:r>
+          <a:r>
             <a:rPr lang="es-CO" dirty="0" err="1"/>
             <a:t>altitude</a:t>
           </a:r>
           <a:r>
             <a:rPr lang="es-CO" dirty="0"/>
-            <a:t>, </a:t>
+            <a:t> </a:t>
           </a:r>
         </a:p>
       </dgm:t>
@@ -1986,6 +2065,39 @@
         <a:lstStyle/>
         <a:p>
           <a:endParaRPr lang="es-CO"/>
+        </a:p>
+      </dgm:t>
+    </dgm:pt>
+    <dgm:pt modelId="{5FC14ADC-7A94-435A-ACE3-E1B438282CA8}">
+      <dgm:prSet phldrT="[Texto]"/>
+      <dgm:spPr/>
+      <dgm:t>
+        <a:bodyPr/>
+        <a:lstStyle/>
+        <a:p>
+          <a:endParaRPr lang="es-CO" b="1" dirty="0"/>
+        </a:p>
+      </dgm:t>
+    </dgm:pt>
+    <dgm:pt modelId="{4DDB2E12-5205-425D-A4C9-3ADB669AA7BA}" type="parTrans" cxnId="{5C53B40F-2030-4A0D-A5D5-21E320B37DBC}">
+      <dgm:prSet/>
+      <dgm:spPr/>
+      <dgm:t>
+        <a:bodyPr/>
+        <a:lstStyle/>
+        <a:p>
+          <a:endParaRPr lang="en-US"/>
+        </a:p>
+      </dgm:t>
+    </dgm:pt>
+    <dgm:pt modelId="{85E15BD9-0653-4680-8CED-81921ED1E696}" type="sibTrans" cxnId="{5C53B40F-2030-4A0D-A5D5-21E320B37DBC}">
+      <dgm:prSet/>
+      <dgm:spPr/>
+      <dgm:t>
+        <a:bodyPr/>
+        <a:lstStyle/>
+        <a:p>
+          <a:endParaRPr lang="en-US"/>
         </a:p>
       </dgm:t>
     </dgm:pt>
@@ -2097,6 +2209,7 @@
   <dgm:cxnLst>
     <dgm:cxn modelId="{33308904-A838-4F09-8B08-44F8923CFC12}" type="presOf" srcId="{6AF34DD4-325C-4140-822F-66E2A665CDA2}" destId="{3FFE4A08-8D80-42B9-8F20-3BCC1705AC24}" srcOrd="0" destOrd="9" presId="urn:microsoft.com/office/officeart/2005/8/layout/process3"/>
     <dgm:cxn modelId="{93083A0F-64CD-4535-8B14-10EBEE970736}" type="presOf" srcId="{5A036C48-A0D8-4DF6-B6FC-E8C485C4CA62}" destId="{27759848-F6F5-4CFB-A748-4B54E84B2470}" srcOrd="0" destOrd="0" presId="urn:microsoft.com/office/officeart/2005/8/layout/process3"/>
+    <dgm:cxn modelId="{5C53B40F-2030-4A0D-A5D5-21E320B37DBC}" srcId="{61EDCE88-308B-43B9-9E41-149BF9BF83F7}" destId="{5FC14ADC-7A94-435A-ACE3-E1B438282CA8}" srcOrd="1" destOrd="0" parTransId="{4DDB2E12-5205-425D-A4C9-3ADB669AA7BA}" sibTransId="{85E15BD9-0653-4680-8CED-81921ED1E696}"/>
     <dgm:cxn modelId="{559D4720-576E-405A-AF72-8CC18E52B481}" type="presOf" srcId="{6536C5A2-D3FB-405E-A340-6F7474BA15E1}" destId="{CEE719D1-4C37-4FD4-8612-33A3F5C772D1}" srcOrd="0" destOrd="9" presId="urn:microsoft.com/office/officeart/2005/8/layout/process3"/>
     <dgm:cxn modelId="{52240223-072B-4D15-B741-8326EA1C0B2E}" type="presOf" srcId="{363F7021-8EAE-4BB9-B14F-A9608E3121B4}" destId="{3FFE4A08-8D80-42B9-8F20-3BCC1705AC24}" srcOrd="0" destOrd="7" presId="urn:microsoft.com/office/officeart/2005/8/layout/process3"/>
     <dgm:cxn modelId="{C0935A25-6245-46AC-A45C-CA9E293A98DD}" srcId="{778A57B2-AF9B-4199-899E-1AF93C832705}" destId="{883AC5F1-7090-459C-94C2-B423F77A8258}" srcOrd="6" destOrd="0" parTransId="{A67B047E-A264-4596-842F-6FDDECAF0B81}" sibTransId="{3EC75E41-C013-4A9D-9D5A-2E0835262741}"/>
@@ -2114,9 +2227,9 @@
     <dgm:cxn modelId="{6F68BD38-95D1-4DD5-85F5-6A885D55C647}" type="presOf" srcId="{D3E0536B-8CEC-4082-BDE4-40121E7D453D}" destId="{CEE719D1-4C37-4FD4-8612-33A3F5C772D1}" srcOrd="0" destOrd="4" presId="urn:microsoft.com/office/officeart/2005/8/layout/process3"/>
     <dgm:cxn modelId="{53E7F538-9633-4FB8-8762-2F0E22819160}" srcId="{56F84D8B-2346-43B4-8C7E-45406A223585}" destId="{C22D6439-8C7F-4E8C-9FCA-B3BBDE811383}" srcOrd="7" destOrd="0" parTransId="{A9DDEA98-8220-44AE-B328-1F376DF08D92}" sibTransId="{9FF35107-A9A5-42AC-A8C4-3D0E8809237E}"/>
     <dgm:cxn modelId="{064D593B-5D20-468F-8C78-C85FECFB1A09}" srcId="{61EDCE88-308B-43B9-9E41-149BF9BF83F7}" destId="{9B92A28C-C966-42D8-83E9-3742C1BB338B}" srcOrd="0" destOrd="0" parTransId="{40582A3A-DE52-45FF-8610-4286A6944619}" sibTransId="{B7864ACD-A8D0-4F3A-988B-65DE12000E87}"/>
-    <dgm:cxn modelId="{3581835B-6226-4D60-AE6C-4AFA31B869F1}" type="presOf" srcId="{1EDA4672-3D6F-4603-824D-1C9E49399A3B}" destId="{7C7E2C6A-DF67-43FB-B0E9-0F5258821559}" srcOrd="0" destOrd="1" presId="urn:microsoft.com/office/officeart/2005/8/layout/process3"/>
+    <dgm:cxn modelId="{3581835B-6226-4D60-AE6C-4AFA31B869F1}" type="presOf" srcId="{1EDA4672-3D6F-4603-824D-1C9E49399A3B}" destId="{7C7E2C6A-DF67-43FB-B0E9-0F5258821559}" srcOrd="0" destOrd="2" presId="urn:microsoft.com/office/officeart/2005/8/layout/process3"/>
     <dgm:cxn modelId="{6D9F545C-3AF9-43F3-B920-90055C3DD114}" srcId="{778A57B2-AF9B-4199-899E-1AF93C832705}" destId="{59EC262B-AB42-4DD5-A729-66F35077C422}" srcOrd="5" destOrd="0" parTransId="{DE729B00-497F-404F-9E39-4B05D251F057}" sibTransId="{49B5761D-EB61-479A-AAFF-37A5AF7A9CBF}"/>
-    <dgm:cxn modelId="{BDF6B15C-2073-4F68-B35E-C9B9E40F49B5}" srcId="{61EDCE88-308B-43B9-9E41-149BF9BF83F7}" destId="{1EDA4672-3D6F-4603-824D-1C9E49399A3B}" srcOrd="1" destOrd="0" parTransId="{40CC7B3A-19CA-437B-9F3B-CAC17CE8805E}" sibTransId="{6C8E0F6D-D9CC-40CC-9AFC-54969628DFA5}"/>
+    <dgm:cxn modelId="{BDF6B15C-2073-4F68-B35E-C9B9E40F49B5}" srcId="{61EDCE88-308B-43B9-9E41-149BF9BF83F7}" destId="{1EDA4672-3D6F-4603-824D-1C9E49399A3B}" srcOrd="2" destOrd="0" parTransId="{40CC7B3A-19CA-437B-9F3B-CAC17CE8805E}" sibTransId="{6C8E0F6D-D9CC-40CC-9AFC-54969628DFA5}"/>
     <dgm:cxn modelId="{84EC815F-99A2-4D7E-B717-B49880CAEB7D}" srcId="{56F84D8B-2346-43B4-8C7E-45406A223585}" destId="{6536C5A2-D3FB-405E-A340-6F7474BA15E1}" srcOrd="9" destOrd="0" parTransId="{CFCB1D2F-0373-449F-B334-A8F178367923}" sibTransId="{B2361F4B-7505-4972-92A5-D87EEA38691C}"/>
     <dgm:cxn modelId="{330B5344-2ABD-42B8-B25E-CA7BF9C8EC47}" type="presOf" srcId="{5C2C26ED-C56B-4F89-AA59-99AD2675BB47}" destId="{3FFE4A08-8D80-42B9-8F20-3BCC1705AC24}" srcOrd="0" destOrd="2" presId="urn:microsoft.com/office/officeart/2005/8/layout/process3"/>
     <dgm:cxn modelId="{B00A9165-24CB-4C94-93E4-F5794406A911}" type="presOf" srcId="{5DEADFAF-6163-46B7-8C34-1DBFEDB6854A}" destId="{CEE719D1-4C37-4FD4-8612-33A3F5C772D1}" srcOrd="0" destOrd="6" presId="urn:microsoft.com/office/officeart/2005/8/layout/process3"/>
@@ -2129,7 +2242,7 @@
     <dgm:cxn modelId="{83403E71-F273-4082-BC45-E42012CD93B3}" type="presOf" srcId="{56F84D8B-2346-43B4-8C7E-45406A223585}" destId="{5A7BEED0-E683-4BD8-B11F-36137BB12874}" srcOrd="0" destOrd="0" presId="urn:microsoft.com/office/officeart/2005/8/layout/process3"/>
     <dgm:cxn modelId="{121BC973-7A78-4D24-9088-FE7FEFD4E47F}" type="presOf" srcId="{4AD11BD2-F1AE-4D86-B1A9-C79775A2F185}" destId="{CEE719D1-4C37-4FD4-8612-33A3F5C772D1}" srcOrd="0" destOrd="12" presId="urn:microsoft.com/office/officeart/2005/8/layout/process3"/>
     <dgm:cxn modelId="{526F0D55-DE53-4A3C-B794-CE9A54E285FB}" srcId="{56F84D8B-2346-43B4-8C7E-45406A223585}" destId="{6881F8C5-2E24-4E14-8EE7-95D121869D31}" srcOrd="3" destOrd="0" parTransId="{3E5B90E8-590C-44CB-AE5C-21EC9F03BCF6}" sibTransId="{1134282A-DD04-48A8-8B42-49B4BFA29289}"/>
-    <dgm:cxn modelId="{68942275-896A-4072-89C7-6711C044E206}" srcId="{61EDCE88-308B-43B9-9E41-149BF9BF83F7}" destId="{DF9F0E08-662D-482B-A9E8-12D1D8B2A10F}" srcOrd="2" destOrd="0" parTransId="{9503128C-E4F8-40D9-B5E2-2275ECB37916}" sibTransId="{1C55BB33-9310-42CA-83ED-02D6E44AF142}"/>
+    <dgm:cxn modelId="{68942275-896A-4072-89C7-6711C044E206}" srcId="{61EDCE88-308B-43B9-9E41-149BF9BF83F7}" destId="{DF9F0E08-662D-482B-A9E8-12D1D8B2A10F}" srcOrd="3" destOrd="0" parTransId="{9503128C-E4F8-40D9-B5E2-2275ECB37916}" sibTransId="{1C55BB33-9310-42CA-83ED-02D6E44AF142}"/>
     <dgm:cxn modelId="{B7031977-661D-4FFD-86A7-64D1FBC0AB72}" srcId="{778A57B2-AF9B-4199-899E-1AF93C832705}" destId="{1DF7A68D-8F71-492D-8C4D-9AFE725DD0D8}" srcOrd="10" destOrd="0" parTransId="{1F8DA355-D777-431D-B42A-214CF330FA6B}" sibTransId="{C3894443-5278-4085-B138-4869FC48C9E4}"/>
     <dgm:cxn modelId="{39DE5759-3EB0-472A-A94C-1CCE4D49D4B9}" type="presOf" srcId="{778A57B2-AF9B-4199-899E-1AF93C832705}" destId="{C3FB789D-BDF9-4146-B1C4-FD7AB4A2EB4C}" srcOrd="0" destOrd="0" presId="urn:microsoft.com/office/officeart/2005/8/layout/process3"/>
     <dgm:cxn modelId="{12A9DC7D-48C7-4A46-8C5E-EFEF47EA77D1}" type="presOf" srcId="{CEEA6FB3-F93B-404C-A536-8EA0D8F38BD1}" destId="{3FFE4A08-8D80-42B9-8F20-3BCC1705AC24}" srcOrd="0" destOrd="8" presId="urn:microsoft.com/office/officeart/2005/8/layout/process3"/>
@@ -2140,12 +2253,13 @@
     <dgm:cxn modelId="{DF6EEC8F-AB95-47EB-9B2D-6A14F9B87F45}" type="presOf" srcId="{FB540A1C-9CDF-4695-BCA2-CF7E671218F7}" destId="{CEE719D1-4C37-4FD4-8612-33A3F5C772D1}" srcOrd="0" destOrd="1" presId="urn:microsoft.com/office/officeart/2005/8/layout/process3"/>
     <dgm:cxn modelId="{15D61690-51AC-48FE-8537-9E4B179F98EC}" srcId="{5A036C48-A0D8-4DF6-B6FC-E8C485C4CA62}" destId="{778A57B2-AF9B-4199-899E-1AF93C832705}" srcOrd="1" destOrd="0" parTransId="{5BC12EBD-08E6-4342-A3C6-FA8D0C1BD5E0}" sibTransId="{EF556AA6-8909-4939-9B65-C3464A9C3C1C}"/>
     <dgm:cxn modelId="{13D0CE93-96CB-4762-9179-24E4BA56CC08}" type="presOf" srcId="{61EDCE88-308B-43B9-9E41-149BF9BF83F7}" destId="{21AB855F-D710-4319-87F4-99D73D36FB12}" srcOrd="0" destOrd="0" presId="urn:microsoft.com/office/officeart/2005/8/layout/process3"/>
+    <dgm:cxn modelId="{0A3D4198-1415-40F2-B102-DF2AA393758A}" type="presOf" srcId="{5FC14ADC-7A94-435A-ACE3-E1B438282CA8}" destId="{7C7E2C6A-DF67-43FB-B0E9-0F5258821559}" srcOrd="0" destOrd="1" presId="urn:microsoft.com/office/officeart/2005/8/layout/process3"/>
     <dgm:cxn modelId="{28AF4DA7-D2AA-4959-BE3F-3C8F793F7E7C}" srcId="{778A57B2-AF9B-4199-899E-1AF93C832705}" destId="{A41DA1BB-F6ED-493B-BC8B-FEFC44B1698D}" srcOrd="0" destOrd="0" parTransId="{B539671E-4750-4316-8FAE-BB1D31E9F4AB}" sibTransId="{21C92F1B-7782-4EC3-B62F-5762E8680C3C}"/>
     <dgm:cxn modelId="{249BF9AF-EE34-4BE7-B086-1549392F6ADA}" srcId="{56F84D8B-2346-43B4-8C7E-45406A223585}" destId="{4AD11BD2-F1AE-4D86-B1A9-C79775A2F185}" srcOrd="12" destOrd="0" parTransId="{D6B57F0D-DE52-498A-9DF0-66E5A6AEB6AC}" sibTransId="{746167FC-28B4-440C-8A0C-81ADBBB23C10}"/>
     <dgm:cxn modelId="{5FE182B0-3A59-4C05-883C-EE28EFEDBAB8}" type="presOf" srcId="{61EDCE88-308B-43B9-9E41-149BF9BF83F7}" destId="{66EF2456-B0B9-40E9-8C37-4C6818969EF4}" srcOrd="1" destOrd="0" presId="urn:microsoft.com/office/officeart/2005/8/layout/process3"/>
     <dgm:cxn modelId="{868D70B3-DF68-40C1-9752-F1BCA501A996}" type="presOf" srcId="{58F983C4-4D94-4951-89E1-3B78837F8E8F}" destId="{CEE719D1-4C37-4FD4-8612-33A3F5C772D1}" srcOrd="0" destOrd="11" presId="urn:microsoft.com/office/officeart/2005/8/layout/process3"/>
     <dgm:cxn modelId="{42C341B7-A84A-4A9E-B60A-128063BEB703}" srcId="{56F84D8B-2346-43B4-8C7E-45406A223585}" destId="{58F983C4-4D94-4951-89E1-3B78837F8E8F}" srcOrd="11" destOrd="0" parTransId="{52F5CC2C-5084-46FE-AA96-C08F54794112}" sibTransId="{887F2D2C-67FA-4D2B-AD46-A397B23D2163}"/>
-    <dgm:cxn modelId="{A18B32B9-0186-4548-B2E7-9F1C403A1D01}" type="presOf" srcId="{DF9F0E08-662D-482B-A9E8-12D1D8B2A10F}" destId="{7C7E2C6A-DF67-43FB-B0E9-0F5258821559}" srcOrd="0" destOrd="2" presId="urn:microsoft.com/office/officeart/2005/8/layout/process3"/>
+    <dgm:cxn modelId="{A18B32B9-0186-4548-B2E7-9F1C403A1D01}" type="presOf" srcId="{DF9F0E08-662D-482B-A9E8-12D1D8B2A10F}" destId="{7C7E2C6A-DF67-43FB-B0E9-0F5258821559}" srcOrd="0" destOrd="3" presId="urn:microsoft.com/office/officeart/2005/8/layout/process3"/>
     <dgm:cxn modelId="{97291BBF-5DBD-4020-9EBD-F613EB74D46A}" srcId="{778A57B2-AF9B-4199-899E-1AF93C832705}" destId="{6AF34DD4-325C-4140-822F-66E2A665CDA2}" srcOrd="9" destOrd="0" parTransId="{232A375B-0C97-4E50-95A6-B0F5DA13D4F6}" sibTransId="{D59E7118-6D14-4720-84E6-752DDC95868E}"/>
     <dgm:cxn modelId="{650B69C3-2377-4529-8137-6BB3740719F6}" type="presOf" srcId="{883AC5F1-7090-459C-94C2-B423F77A8258}" destId="{3FFE4A08-8D80-42B9-8F20-3BCC1705AC24}" srcOrd="0" destOrd="6" presId="urn:microsoft.com/office/officeart/2005/8/layout/process3"/>
     <dgm:cxn modelId="{7300F8C5-2E72-4631-807B-EE73980DDEDA}" srcId="{5A036C48-A0D8-4DF6-B6FC-E8C485C4CA62}" destId="{61EDCE88-308B-43B9-9E41-149BF9BF83F7}" srcOrd="2" destOrd="0" parTransId="{6CBA5CB1-66EB-4C39-92FB-36B2A1E0B682}" sibTransId="{0C489409-A275-4F4A-BB14-13BA1DF4814B}"/>
@@ -2205,8 +2319,8 @@
       </dsp:nvSpPr>
       <dsp:spPr>
         <a:xfrm>
-          <a:off x="6222" y="853600"/>
-          <a:ext cx="2829139" cy="777599"/>
+          <a:off x="6222" y="805689"/>
+          <a:ext cx="2829139" cy="921331"/>
         </a:xfrm>
         <a:prstGeom prst="roundRect">
           <a:avLst>
@@ -2250,12 +2364,12 @@
         </a:fontRef>
       </dsp:style>
       <dsp:txBody>
-        <a:bodyPr spcFirstLastPara="0" vert="horz" wrap="square" lIns="128016" tIns="128016" rIns="128016" bIns="68580" numCol="1" spcCol="1270" anchor="t" anchorCtr="0">
+        <a:bodyPr spcFirstLastPara="0" vert="horz" wrap="square" lIns="170688" tIns="170688" rIns="170688" bIns="91440" numCol="1" spcCol="1270" anchor="t" anchorCtr="0">
           <a:noAutofit/>
         </a:bodyPr>
         <a:lstStyle/>
         <a:p>
-          <a:pPr marL="0" lvl="0" indent="0" algn="l" defTabSz="800100">
+          <a:pPr marL="0" lvl="0" indent="0" algn="l" defTabSz="1066800">
             <a:lnSpc>
               <a:spcPct val="90000"/>
             </a:lnSpc>
@@ -2268,15 +2382,15 @@
             <a:buNone/>
           </a:pPr>
           <a:r>
-            <a:rPr lang="es-CO" sz="1800" kern="1200" dirty="0" err="1"/>
+            <a:rPr lang="es-CO" sz="2400" kern="1200" dirty="0" err="1"/>
             <a:t>Bronze</a:t>
           </a:r>
-          <a:endParaRPr lang="es-CO" sz="1800" kern="1200" dirty="0"/>
+          <a:endParaRPr lang="es-CO" sz="2400" kern="1200" dirty="0"/>
         </a:p>
       </dsp:txBody>
       <dsp:txXfrm>
-        <a:off x="6222" y="853600"/>
-        <a:ext cx="2829139" cy="518400"/>
+        <a:off x="6222" y="805689"/>
+        <a:ext cx="2829139" cy="614221"/>
       </dsp:txXfrm>
     </dsp:sp>
     <dsp:sp modelId="{CEE719D1-4C37-4FD4-8612-33A3F5C772D1}">
@@ -2286,7 +2400,7 @@
       </dsp:nvSpPr>
       <dsp:spPr>
         <a:xfrm>
-          <a:off x="585684" y="1372000"/>
+          <a:off x="585684" y="1419910"/>
           <a:ext cx="2829139" cy="4276800"/>
         </a:xfrm>
         <a:prstGeom prst="roundRect">
@@ -2366,12 +2480,16 @@
             <a:buChar char="•"/>
           </a:pPr>
           <a:r>
+            <a:rPr lang="es-CO" sz="1800" kern="1200" dirty="0"/>
+            <a:t> </a:t>
+          </a:r>
+          <a:r>
             <a:rPr lang="es-CO" sz="1800" kern="1200" dirty="0" err="1"/>
             <a:t>altitude</a:t>
           </a:r>
           <a:r>
             <a:rPr lang="es-CO" sz="1800" kern="1200" dirty="0"/>
-            <a:t>, </a:t>
+            <a:t> </a:t>
           </a:r>
         </a:p>
         <a:p>
@@ -2397,7 +2515,7 @@
           </a:r>
           <a:r>
             <a:rPr lang="es-CO" sz="1800" kern="1200" dirty="0"/>
-            <a:t>, </a:t>
+            <a:t> </a:t>
           </a:r>
         </a:p>
         <a:p>
@@ -2414,8 +2532,8 @@
             <a:buChar char="•"/>
           </a:pPr>
           <a:r>
-            <a:rPr lang="es-CO" sz="1800" kern="1200"/>
-            <a:t> date, </a:t>
+            <a:rPr lang="es-CO" sz="1800" kern="1200" dirty="0"/>
+            <a:t> date </a:t>
           </a:r>
         </a:p>
         <a:p>
@@ -2432,8 +2550,16 @@
             <a:buChar char="•"/>
           </a:pPr>
           <a:r>
-            <a:rPr lang="es-CO" sz="1800" kern="1200"/>
-            <a:t> customer_id, </a:t>
+            <a:rPr lang="es-CO" sz="1800" kern="1200" dirty="0"/>
+            <a:t> </a:t>
+          </a:r>
+          <a:r>
+            <a:rPr lang="es-CO" sz="1800" kern="1200" dirty="0" err="1"/>
+            <a:t>customer_id</a:t>
+          </a:r>
+          <a:r>
+            <a:rPr lang="es-CO" sz="1800" kern="1200" dirty="0"/>
+            <a:t> </a:t>
           </a:r>
         </a:p>
         <a:p>
@@ -2450,8 +2576,16 @@
             <a:buChar char="•"/>
           </a:pPr>
           <a:r>
-            <a:rPr lang="es-CO" sz="1800" kern="1200"/>
-            <a:t> employee_id, </a:t>
+            <a:rPr lang="es-CO" sz="1800" kern="1200" dirty="0"/>
+            <a:t> </a:t>
+          </a:r>
+          <a:r>
+            <a:rPr lang="es-CO" sz="1800" kern="1200" dirty="0" err="1"/>
+            <a:t>employee_id</a:t>
+          </a:r>
+          <a:r>
+            <a:rPr lang="es-CO" sz="1800" kern="1200" dirty="0"/>
+            <a:t> </a:t>
           </a:r>
         </a:p>
         <a:p>
@@ -2468,9 +2602,14 @@
             <a:buChar char="•"/>
           </a:pPr>
           <a:r>
-            <a:rPr lang="es-CO" sz="1800" kern="1200"/>
-            <a:t> quantity_products</a:t>
-          </a:r>
+            <a:rPr lang="es-CO" sz="1800" kern="1200" dirty="0"/>
+            <a:t> </a:t>
+          </a:r>
+          <a:r>
+            <a:rPr lang="es-CO" sz="1800" kern="1200" dirty="0" err="1"/>
+            <a:t>quantity_products</a:t>
+          </a:r>
+          <a:endParaRPr lang="es-CO" sz="1800" kern="1200" dirty="0"/>
         </a:p>
         <a:p>
           <a:pPr marL="171450" lvl="1" indent="-171450" algn="l" defTabSz="800100">
@@ -2486,9 +2625,14 @@
             <a:buChar char="•"/>
           </a:pPr>
           <a:r>
-            <a:rPr lang="es-CO" sz="1800" kern="1200"/>
-            <a:t> order_id, </a:t>
-          </a:r>
+            <a:rPr lang="es-CO" sz="1800" kern="1200" dirty="0"/>
+            <a:t> </a:t>
+          </a:r>
+          <a:r>
+            <a:rPr lang="es-CO" sz="1800" kern="1200" dirty="0" err="1"/>
+            <a:t>order_id</a:t>
+          </a:r>
+          <a:endParaRPr lang="es-CO" sz="1800" kern="1200" dirty="0"/>
         </a:p>
         <a:p>
           <a:pPr marL="171450" lvl="1" indent="-171450" algn="l" defTabSz="800100">
@@ -2504,8 +2648,16 @@
             <a:buChar char="•"/>
           </a:pPr>
           <a:r>
-            <a:rPr lang="es-CO" sz="1800" kern="1200"/>
-            <a:t> commune_code, </a:t>
+            <a:rPr lang="es-CO" sz="1800" kern="1200" dirty="0"/>
+            <a:t> </a:t>
+          </a:r>
+          <a:r>
+            <a:rPr lang="es-CO" sz="1800" kern="1200" dirty="0" err="1"/>
+            <a:t>commune_code</a:t>
+          </a:r>
+          <a:r>
+            <a:rPr lang="es-CO" sz="1800" kern="1200" dirty="0"/>
+            <a:t> </a:t>
           </a:r>
         </a:p>
         <a:p>
@@ -2522,8 +2674,16 @@
             <a:buChar char="•"/>
           </a:pPr>
           <a:r>
-            <a:rPr lang="es-CO" sz="1800" kern="1200"/>
-            <a:t> commune_name, </a:t>
+            <a:rPr lang="es-CO" sz="1800" kern="1200" dirty="0"/>
+            <a:t> </a:t>
+          </a:r>
+          <a:r>
+            <a:rPr lang="es-CO" sz="1800" kern="1200" dirty="0" err="1"/>
+            <a:t>commune_name</a:t>
+          </a:r>
+          <a:r>
+            <a:rPr lang="es-CO" sz="1800" kern="1200" dirty="0"/>
+            <a:t> </a:t>
           </a:r>
         </a:p>
         <a:p>
@@ -2540,8 +2700,16 @@
             <a:buChar char="•"/>
           </a:pPr>
           <a:r>
-            <a:rPr lang="es-CO" sz="1800" kern="1200"/>
-            <a:t> customer_name, </a:t>
+            <a:rPr lang="es-CO" sz="1800" kern="1200" dirty="0"/>
+            <a:t> </a:t>
+          </a:r>
+          <a:r>
+            <a:rPr lang="es-CO" sz="1800" kern="1200" dirty="0" err="1"/>
+            <a:t>customer_name</a:t>
+          </a:r>
+          <a:r>
+            <a:rPr lang="es-CO" sz="1800" kern="1200" dirty="0"/>
+            <a:t> </a:t>
           </a:r>
         </a:p>
         <a:p>
@@ -2558,8 +2726,16 @@
             <a:buChar char="•"/>
           </a:pPr>
           <a:r>
-            <a:rPr lang="es-CO" sz="1800" kern="1200"/>
-            <a:t> employee_name, </a:t>
+            <a:rPr lang="es-CO" sz="1800" kern="1200" dirty="0"/>
+            <a:t> </a:t>
+          </a:r>
+          <a:r>
+            <a:rPr lang="es-CO" sz="1800" kern="1200" dirty="0" err="1"/>
+            <a:t>employee_name</a:t>
+          </a:r>
+          <a:r>
+            <a:rPr lang="es-CO" sz="1800" kern="1200" dirty="0"/>
+            <a:t> </a:t>
           </a:r>
         </a:p>
         <a:p>
@@ -2587,7 +2763,7 @@
         </a:p>
       </dsp:txBody>
       <dsp:txXfrm>
-        <a:off x="668547" y="1454863"/>
+        <a:off x="668547" y="1502773"/>
         <a:ext cx="2663413" cy="4111074"/>
       </dsp:txXfrm>
     </dsp:sp>
@@ -2668,8 +2844,8 @@
       </dsp:nvSpPr>
       <dsp:spPr>
         <a:xfrm>
-          <a:off x="4550910" y="853600"/>
-          <a:ext cx="2829139" cy="777599"/>
+          <a:off x="4550910" y="805689"/>
+          <a:ext cx="2829139" cy="921331"/>
         </a:xfrm>
         <a:prstGeom prst="roundRect">
           <a:avLst>
@@ -2713,12 +2889,12 @@
         </a:fontRef>
       </dsp:style>
       <dsp:txBody>
-        <a:bodyPr spcFirstLastPara="0" vert="horz" wrap="square" lIns="128016" tIns="128016" rIns="128016" bIns="68580" numCol="1" spcCol="1270" anchor="t" anchorCtr="0">
+        <a:bodyPr spcFirstLastPara="0" vert="horz" wrap="square" lIns="170688" tIns="170688" rIns="170688" bIns="91440" numCol="1" spcCol="1270" anchor="t" anchorCtr="0">
           <a:noAutofit/>
         </a:bodyPr>
         <a:lstStyle/>
         <a:p>
-          <a:pPr marL="0" lvl="0" indent="0" algn="l" defTabSz="800100">
+          <a:pPr marL="0" lvl="0" indent="0" algn="l" defTabSz="1066800">
             <a:lnSpc>
               <a:spcPct val="90000"/>
             </a:lnSpc>
@@ -2731,14 +2907,15 @@
             <a:buNone/>
           </a:pPr>
           <a:r>
-            <a:rPr lang="es-CO" sz="1800" kern="1200" dirty="0"/>
+            <a:rPr lang="es-CO" sz="2400" kern="1200" dirty="0"/>
             <a:t>Silver</a:t>
           </a:r>
+          <a:endParaRPr lang="es-CO" sz="1800" kern="1200" dirty="0"/>
         </a:p>
       </dsp:txBody>
       <dsp:txXfrm>
-        <a:off x="4550910" y="853600"/>
-        <a:ext cx="2829139" cy="518400"/>
+        <a:off x="4550910" y="805689"/>
+        <a:ext cx="2829139" cy="614221"/>
       </dsp:txXfrm>
     </dsp:sp>
     <dsp:sp modelId="{3FFE4A08-8D80-42B9-8F20-3BCC1705AC24}">
@@ -2748,7 +2925,7 @@
       </dsp:nvSpPr>
       <dsp:spPr>
         <a:xfrm>
-          <a:off x="5130372" y="1372000"/>
+          <a:off x="5130372" y="1419910"/>
           <a:ext cx="2829139" cy="4276800"/>
         </a:xfrm>
         <a:prstGeom prst="roundRect">
@@ -2833,7 +3010,7 @@
           </a:r>
           <a:r>
             <a:rPr lang="es-CO" sz="1800" kern="1200" dirty="0"/>
-            <a:t>, </a:t>
+            <a:t> </a:t>
           </a:r>
         </a:p>
         <a:p>
@@ -2850,8 +3027,8 @@
             <a:buChar char="•"/>
           </a:pPr>
           <a:r>
-            <a:rPr lang="es-CO" sz="1800" kern="1200"/>
-            <a:t>sales, </a:t>
+            <a:rPr lang="es-CO" sz="1800" kern="1200" dirty="0"/>
+            <a:t>sales </a:t>
           </a:r>
         </a:p>
         <a:p>
@@ -2868,8 +3045,12 @@
             <a:buChar char="•"/>
           </a:pPr>
           <a:r>
-            <a:rPr lang="es-CO" sz="1800" kern="1200"/>
-            <a:t>commission_value, </a:t>
+            <a:rPr lang="es-CO" sz="1800" kern="1200" dirty="0" err="1"/>
+            <a:t>commission_value</a:t>
+          </a:r>
+          <a:r>
+            <a:rPr lang="es-CO" sz="1800" kern="1200" dirty="0"/>
+            <a:t> </a:t>
           </a:r>
         </a:p>
         <a:p>
@@ -2886,9 +3067,10 @@
             <a:buChar char="•"/>
           </a:pPr>
           <a:r>
-            <a:rPr lang="es-CO" sz="1800" kern="1200"/>
-            <a:t>year, </a:t>
-          </a:r>
+            <a:rPr lang="es-CO" sz="1800" kern="1200" dirty="0" err="1"/>
+            <a:t>year</a:t>
+          </a:r>
+          <a:endParaRPr lang="es-CO" sz="1800" kern="1200" dirty="0"/>
         </a:p>
         <a:p>
           <a:pPr marL="171450" lvl="1" indent="-171450" algn="l" defTabSz="800100">
@@ -2904,8 +3086,12 @@
             <a:buChar char="•"/>
           </a:pPr>
           <a:r>
-            <a:rPr lang="es-CO" sz="1800" kern="1200"/>
-            <a:t>month, </a:t>
+            <a:rPr lang="es-CO" sz="1800" kern="1200" dirty="0" err="1"/>
+            <a:t>month</a:t>
+          </a:r>
+          <a:r>
+            <a:rPr lang="es-CO" sz="1800" kern="1200" dirty="0"/>
+            <a:t> </a:t>
           </a:r>
         </a:p>
         <a:p>
@@ -2922,8 +3108,12 @@
             <a:buChar char="•"/>
           </a:pPr>
           <a:r>
-            <a:rPr lang="es-CO" sz="1800" kern="1200"/>
-            <a:t>day_month, </a:t>
+            <a:rPr lang="es-CO" sz="1800" kern="1200" dirty="0" err="1"/>
+            <a:t>day_month</a:t>
+          </a:r>
+          <a:r>
+            <a:rPr lang="es-CO" sz="1800" kern="1200" dirty="0"/>
+            <a:t> </a:t>
           </a:r>
         </a:p>
         <a:p>
@@ -2940,9 +3130,10 @@
             <a:buChar char="•"/>
           </a:pPr>
           <a:r>
-            <a:rPr lang="es-CO" sz="1800" kern="1200"/>
-            <a:t>day_week, </a:t>
-          </a:r>
+            <a:rPr lang="es-CO" sz="1800" kern="1200" dirty="0" err="1"/>
+            <a:t>day_week</a:t>
+          </a:r>
+          <a:endParaRPr lang="es-CO" sz="1800" kern="1200" dirty="0"/>
         </a:p>
         <a:p>
           <a:pPr marL="171450" lvl="1" indent="-171450" algn="l" defTabSz="800100">
@@ -2958,9 +3149,10 @@
             <a:buChar char="•"/>
           </a:pPr>
           <a:r>
-            <a:rPr lang="es-CO" sz="1800" kern="1200"/>
-            <a:t>hour, </a:t>
-          </a:r>
+            <a:rPr lang="es-CO" sz="1800" kern="1200" dirty="0" err="1"/>
+            <a:t>hour</a:t>
+          </a:r>
+          <a:endParaRPr lang="es-CO" sz="1800" kern="1200" dirty="0"/>
         </a:p>
         <a:p>
           <a:pPr marL="171450" lvl="1" indent="-171450" algn="l" defTabSz="800100">
@@ -2976,8 +3168,8 @@
             <a:buChar char="•"/>
           </a:pPr>
           <a:r>
-            <a:rPr lang="es-CO" sz="1800" kern="1200"/>
-            <a:t>minute, </a:t>
+            <a:rPr lang="es-CO" sz="1800" kern="1200" dirty="0"/>
+            <a:t>minute </a:t>
           </a:r>
         </a:p>
         <a:p>
@@ -2999,12 +3191,12 @@
           </a:r>
           <a:r>
             <a:rPr lang="es-CO" sz="1800" kern="1200" dirty="0"/>
-            <a:t>, </a:t>
+            <a:t> </a:t>
           </a:r>
         </a:p>
       </dsp:txBody>
       <dsp:txXfrm>
-        <a:off x="5213235" y="1454863"/>
+        <a:off x="5213235" y="1502773"/>
         <a:ext cx="2663413" cy="4111074"/>
       </dsp:txXfrm>
     </dsp:sp>
@@ -3085,8 +3277,8 @@
       </dsp:nvSpPr>
       <dsp:spPr>
         <a:xfrm>
-          <a:off x="9095599" y="853600"/>
-          <a:ext cx="2829139" cy="777599"/>
+          <a:off x="9095599" y="805689"/>
+          <a:ext cx="2829139" cy="921331"/>
         </a:xfrm>
         <a:prstGeom prst="roundRect">
           <a:avLst>
@@ -3130,12 +3322,12 @@
         </a:fontRef>
       </dsp:style>
       <dsp:txBody>
-        <a:bodyPr spcFirstLastPara="0" vert="horz" wrap="square" lIns="128016" tIns="128016" rIns="128016" bIns="68580" numCol="1" spcCol="1270" anchor="t" anchorCtr="0">
+        <a:bodyPr spcFirstLastPara="0" vert="horz" wrap="square" lIns="170688" tIns="170688" rIns="170688" bIns="91440" numCol="1" spcCol="1270" anchor="t" anchorCtr="0">
           <a:noAutofit/>
         </a:bodyPr>
         <a:lstStyle/>
         <a:p>
-          <a:pPr marL="0" lvl="0" indent="0" algn="l" defTabSz="800100">
+          <a:pPr marL="0" lvl="0" indent="0" algn="l" defTabSz="1066800">
             <a:lnSpc>
               <a:spcPct val="90000"/>
             </a:lnSpc>
@@ -3148,14 +3340,15 @@
             <a:buNone/>
           </a:pPr>
           <a:r>
-            <a:rPr lang="es-CO" sz="1800" kern="1200" dirty="0"/>
+            <a:rPr lang="es-CO" sz="2400" kern="1200" dirty="0"/>
             <a:t>Gold</a:t>
           </a:r>
+          <a:endParaRPr lang="es-CO" sz="1800" kern="1200" dirty="0"/>
         </a:p>
       </dsp:txBody>
       <dsp:txXfrm>
-        <a:off x="9095599" y="853600"/>
-        <a:ext cx="2829139" cy="518400"/>
+        <a:off x="9095599" y="805689"/>
+        <a:ext cx="2829139" cy="614221"/>
       </dsp:txXfrm>
     </dsp:sp>
     <dsp:sp modelId="{7C7E2C6A-DF67-43FB-B0E9-0F5258821559}">
@@ -3165,7 +3358,7 @@
       </dsp:nvSpPr>
       <dsp:spPr>
         <a:xfrm>
-          <a:off x="9675061" y="1372000"/>
+          <a:off x="9675061" y="1419910"/>
           <a:ext cx="2829139" cy="4276800"/>
         </a:xfrm>
         <a:prstGeom prst="roundRect">
@@ -3249,10 +3442,7 @@
             </a:spcAft>
             <a:buChar char="•"/>
           </a:pPr>
-          <a:r>
-            <a:rPr lang="es-CO" sz="1800" kern="1200" dirty="0"/>
-            <a:t>Particionada por date</a:t>
-          </a:r>
+          <a:endParaRPr lang="es-CO" sz="1800" b="1" kern="1200" dirty="0"/>
         </a:p>
         <a:p>
           <a:pPr marL="171450" lvl="1" indent="-171450" algn="l" defTabSz="800100">
@@ -3269,12 +3459,30 @@
           </a:pPr>
           <a:r>
             <a:rPr lang="es-CO" sz="1800" kern="1200" dirty="0"/>
+            <a:t>Particionada por date</a:t>
+          </a:r>
+        </a:p>
+        <a:p>
+          <a:pPr marL="171450" lvl="1" indent="-171450" algn="l" defTabSz="800100">
+            <a:lnSpc>
+              <a:spcPct val="90000"/>
+            </a:lnSpc>
+            <a:spcBef>
+              <a:spcPct val="0"/>
+            </a:spcBef>
+            <a:spcAft>
+              <a:spcPct val="15000"/>
+            </a:spcAft>
+            <a:buChar char="•"/>
+          </a:pPr>
+          <a:r>
+            <a:rPr lang="es-CO" sz="1800" kern="1200" dirty="0"/>
             <a:t>Contiene todos los campos de las ramas anteriores</a:t>
           </a:r>
         </a:p>
       </dsp:txBody>
       <dsp:txXfrm>
-        <a:off x="9757924" y="1454863"/>
+        <a:off x="9757924" y="1502773"/>
         <a:ext cx="2663413" cy="4111074"/>
       </dsp:txXfrm>
     </dsp:sp>
@@ -5678,8 +5886,8 @@
         </p:nvSpPr>
         <p:spPr>
           <a:xfrm>
-            <a:off x="6368831" y="3401207"/>
-            <a:ext cx="7477601" cy="999768"/>
+            <a:off x="6368831" y="2850776"/>
+            <a:ext cx="7477601" cy="2466859"/>
           </a:xfrm>
           <a:prstGeom prst="rect">
             <a:avLst/>
@@ -5691,7 +5899,7 @@
           <a:bodyPr wrap="square" rtlCol="0" anchor="t"/>
           <a:lstStyle/>
           <a:p>
-            <a:pPr marL="0" indent="0">
+            <a:pPr marL="0" indent="0" algn="just">
               <a:lnSpc>
                 <a:spcPts val="2624"/>
               </a:lnSpc>
@@ -5706,29 +5914,52 @@
                 <a:ea typeface="Eudoxus Sans" pitchFamily="34" charset="-122"/>
                 <a:cs typeface="Eudoxus Sans" pitchFamily="34" charset="-120"/>
               </a:rPr>
-              <a:t>Este proyecto tiene como objetivo implementar una solución de Big Data para UNALWater, con el fin de analizar datos simulados y sus </a:t>
-            </a:r>
-            <a:r>
-              <a:rPr lang="en-US" sz="2800" dirty="0" err="1">
-                <a:solidFill>
-                  <a:srgbClr val="272525"/>
-                </a:solidFill>
-                <a:latin typeface="Eudoxus Sans" pitchFamily="34" charset="0"/>
-                <a:ea typeface="Eudoxus Sans" pitchFamily="34" charset="-122"/>
-                <a:cs typeface="Eudoxus Sans" pitchFamily="34" charset="-120"/>
-              </a:rPr>
-              <a:t>optimizar</a:t>
-            </a:r>
-            <a:r>
-              <a:rPr lang="en-US" sz="2800" dirty="0">
-                <a:solidFill>
-                  <a:srgbClr val="272525"/>
-                </a:solidFill>
-                <a:latin typeface="Eudoxus Sans" pitchFamily="34" charset="0"/>
-                <a:ea typeface="Eudoxus Sans" pitchFamily="34" charset="-122"/>
-                <a:cs typeface="Eudoxus Sans" pitchFamily="34" charset="-120"/>
-              </a:rPr>
-              <a:t>  estrategias de marketing.</a:t>
+              <a:t>Este proyecto tiene como objetivo implementar una solución de Big Data para UNALWater, con el fin de </a:t>
+            </a:r>
+            <a:r>
+              <a:rPr lang="es-ES" sz="2800" dirty="0">
+                <a:solidFill>
+                  <a:srgbClr val="272525"/>
+                </a:solidFill>
+                <a:latin typeface="Eudoxus Sans" pitchFamily="34" charset="0"/>
+                <a:ea typeface="Eudoxus Sans" pitchFamily="34" charset="-122"/>
+                <a:cs typeface="Eudoxus Sans" pitchFamily="34" charset="-120"/>
+              </a:rPr>
+              <a:t>identificar las comunas de Medellín con mayores ventas para optimizar sus </a:t>
+            </a:r>
+          </a:p>
+          <a:p>
+            <a:pPr marL="0" indent="0" algn="just">
+              <a:lnSpc>
+                <a:spcPts val="2624"/>
+              </a:lnSpc>
+              <a:buNone/>
+            </a:pPr>
+            <a:r>
+              <a:rPr lang="es-ES" sz="2800" dirty="0">
+                <a:solidFill>
+                  <a:srgbClr val="272525"/>
+                </a:solidFill>
+                <a:latin typeface="Eudoxus Sans" pitchFamily="34" charset="0"/>
+                <a:ea typeface="Eudoxus Sans" pitchFamily="34" charset="-122"/>
+                <a:cs typeface="Eudoxus Sans" pitchFamily="34" charset="-120"/>
+              </a:rPr>
+              <a:t>estrategias de marketing, y</a:t>
+            </a:r>
+            <a:r>
+              <a:rPr lang="es-ES" sz="2800" dirty="0"/>
+              <a:t> mejorar la productividad de la empresa mediante el análisis de métricas clave</a:t>
+            </a:r>
+            <a:r>
+              <a:rPr lang="es-ES" sz="2800" dirty="0">
+                <a:solidFill>
+                  <a:srgbClr val="272525"/>
+                </a:solidFill>
+                <a:latin typeface="Eudoxus Sans" pitchFamily="34" charset="0"/>
+                <a:ea typeface="Eudoxus Sans" pitchFamily="34" charset="-122"/>
+                <a:cs typeface="Eudoxus Sans" pitchFamily="34" charset="-120"/>
+              </a:rPr>
+              <a:t>.</a:t>
             </a:r>
             <a:endParaRPr lang="en-US" sz="2800" dirty="0"/>
           </a:p>
@@ -5846,7 +6077,7 @@
                 <a:ea typeface="Eudoxus Sans" pitchFamily="34" charset="-122"/>
                 <a:cs typeface="Eudoxus Sans" pitchFamily="34" charset="-120"/>
               </a:rPr>
-              <a:t>Samuel</a:t>
+              <a:t>Samuel Murillo Ospina</a:t>
             </a:r>
           </a:p>
           <a:p>
@@ -5864,8 +6095,45 @@
                 <a:latin typeface="Eudoxus Sans" pitchFamily="34" charset="0"/>
                 <a:ea typeface="Eudoxus Sans" pitchFamily="34" charset="-122"/>
               </a:rPr>
-              <a:t>Sofia</a:t>
-            </a:r>
+              <a:t>Sofia </a:t>
+            </a:r>
+            <a:r>
+              <a:rPr lang="en-US" sz="2187" b="1" dirty="0" err="1">
+                <a:solidFill>
+                  <a:srgbClr val="272525"/>
+                </a:solidFill>
+                <a:latin typeface="Eudoxus Sans" pitchFamily="34" charset="0"/>
+                <a:ea typeface="Eudoxus Sans" pitchFamily="34" charset="-122"/>
+              </a:rPr>
+              <a:t>Giraldo</a:t>
+            </a:r>
+            <a:r>
+              <a:rPr lang="en-US" sz="2187" b="1" dirty="0">
+                <a:solidFill>
+                  <a:srgbClr val="272525"/>
+                </a:solidFill>
+                <a:latin typeface="Eudoxus Sans" pitchFamily="34" charset="0"/>
+                <a:ea typeface="Eudoxus Sans" pitchFamily="34" charset="-122"/>
+              </a:rPr>
+              <a:t> </a:t>
+            </a:r>
+            <a:r>
+              <a:rPr lang="en-US" sz="2187" b="1" dirty="0" err="1">
+                <a:solidFill>
+                  <a:srgbClr val="272525"/>
+                </a:solidFill>
+                <a:latin typeface="Eudoxus Sans" pitchFamily="34" charset="0"/>
+                <a:ea typeface="Eudoxus Sans" pitchFamily="34" charset="-122"/>
+              </a:rPr>
+              <a:t>Castaño</a:t>
+            </a:r>
+            <a:endParaRPr lang="en-US" sz="2187" b="1" dirty="0">
+              <a:solidFill>
+                <a:srgbClr val="272525"/>
+              </a:solidFill>
+              <a:latin typeface="Eudoxus Sans" pitchFamily="34" charset="0"/>
+              <a:ea typeface="Eudoxus Sans" pitchFamily="34" charset="-122"/>
+            </a:endParaRPr>
           </a:p>
           <a:p>
             <a:pPr marL="0" indent="0" algn="l">
@@ -5882,7 +6150,47 @@
                 <a:latin typeface="Eudoxus Sans" pitchFamily="34" charset="0"/>
                 <a:ea typeface="Eudoxus Sans" pitchFamily="34" charset="-122"/>
               </a:rPr>
-              <a:t>Girle</a:t>
+              <a:t>Girleza</a:t>
+            </a:r>
+            <a:r>
+              <a:rPr lang="en-US" sz="2187" b="1" dirty="0">
+                <a:solidFill>
+                  <a:srgbClr val="272525"/>
+                </a:solidFill>
+                <a:latin typeface="Eudoxus Sans" pitchFamily="34" charset="0"/>
+                <a:ea typeface="Eudoxus Sans" pitchFamily="34" charset="-122"/>
+              </a:rPr>
+              <a:t> </a:t>
+            </a:r>
+            <a:r>
+              <a:rPr lang="en-US" sz="2187" b="1" dirty="0" err="1">
+                <a:solidFill>
+                  <a:srgbClr val="272525"/>
+                </a:solidFill>
+                <a:latin typeface="Eudoxus Sans" pitchFamily="34" charset="0"/>
+                <a:ea typeface="Eudoxus Sans" pitchFamily="34" charset="-122"/>
+              </a:rPr>
+              <a:t>Alvares</a:t>
+            </a:r>
+            <a:r>
+              <a:rPr lang="en-US" sz="2187" b="1" dirty="0">
+                <a:solidFill>
+                  <a:srgbClr val="272525"/>
+                </a:solidFill>
+                <a:latin typeface="Eudoxus Sans" pitchFamily="34" charset="0"/>
+                <a:ea typeface="Eudoxus Sans" pitchFamily="34" charset="-122"/>
+              </a:rPr>
+              <a:t> </a:t>
+            </a:r>
+            <a:r>
+              <a:rPr lang="en-US" sz="2187" b="1" dirty="0" err="1">
+                <a:solidFill>
+                  <a:srgbClr val="272525"/>
+                </a:solidFill>
+                <a:latin typeface="Eudoxus Sans" pitchFamily="34" charset="0"/>
+                <a:ea typeface="Eudoxus Sans" pitchFamily="34" charset="-122"/>
+              </a:rPr>
+              <a:t>Gonzáles</a:t>
             </a:r>
             <a:endParaRPr lang="en-US" sz="2187" dirty="0"/>
           </a:p>
@@ -6062,7 +6370,7 @@
         <p:spPr>
           <a:xfrm>
             <a:off x="1808202" y="1569057"/>
-            <a:ext cx="10554414" cy="999768"/>
+            <a:ext cx="10554414" cy="1625964"/>
           </a:xfrm>
           <a:prstGeom prst="rect">
             <a:avLst/>
@@ -6074,7 +6382,7 @@
           <a:bodyPr wrap="square" rtlCol="0" anchor="t"/>
           <a:lstStyle/>
           <a:p>
-            <a:pPr marL="0" indent="0">
+            <a:pPr marL="0" indent="0" algn="just">
               <a:lnSpc>
                 <a:spcPts val="2624"/>
               </a:lnSpc>
@@ -6090,7 +6398,7 @@
             </a:r>
             <a:r>
               <a:rPr lang="es-CO" sz="2400" dirty="0"/>
-              <a:t>, que busca implementar un área especializada en Big Data. Se analizarán datos simulados para identificar las comunas de Medellín con mayores ventas de botellas de agua, con el fin de mejorar la productividad mediante el análisis de métricas clave</a:t>
+              <a:t>, que busca implementar un área especializada en Big Data. Se analizarán datos simulados para identificar las comunas de Medellín con mayores ventas de botellas de agua, con el fin de mejorar la productividad mediante el análisis de métricas clave.</a:t>
             </a:r>
             <a:endParaRPr lang="en-US" sz="2400" dirty="0"/>
           </a:p>
@@ -6181,7 +6489,7 @@
         <p:spPr>
           <a:xfrm>
             <a:off x="2037992" y="4556790"/>
-            <a:ext cx="4706541" cy="999768"/>
+            <a:ext cx="4706541" cy="2747652"/>
           </a:xfrm>
           <a:prstGeom prst="rect">
             <a:avLst/>
@@ -6193,7 +6501,7 @@
           <a:bodyPr wrap="square" rtlCol="0" anchor="t"/>
           <a:lstStyle/>
           <a:p>
-            <a:pPr marL="0" indent="0">
+            <a:pPr marL="0" indent="0" algn="just">
               <a:lnSpc>
                 <a:spcPts val="2624"/>
               </a:lnSpc>
@@ -6450,7 +6758,7 @@
                 <a:ea typeface="Eudoxus Sans" pitchFamily="34" charset="-122"/>
                 <a:cs typeface="Eudoxus Sans" pitchFamily="34" charset="-120"/>
               </a:rPr>
-              <a:t> de Antioquia solo con Medellín</a:t>
+              <a:t> de Antioquia solo con Medellín.</a:t>
             </a:r>
             <a:endParaRPr lang="en-US" sz="2000" dirty="0"/>
           </a:p>
@@ -6540,8 +6848,8 @@
         </p:nvSpPr>
         <p:spPr>
           <a:xfrm>
-            <a:off x="7776391" y="4556790"/>
-            <a:ext cx="4706541" cy="999768"/>
+            <a:off x="7776391" y="4556789"/>
+            <a:ext cx="4706541" cy="1682645"/>
           </a:xfrm>
           <a:prstGeom prst="rect">
             <a:avLst/>
@@ -6553,7 +6861,7 @@
           <a:bodyPr wrap="square" rtlCol="0" anchor="t"/>
           <a:lstStyle/>
           <a:p>
-            <a:pPr marL="0" indent="0">
+            <a:pPr marL="0" indent="0" algn="just">
               <a:lnSpc>
                 <a:spcPts val="2624"/>
               </a:lnSpc>
@@ -6724,8 +7032,8 @@
         </p:nvSpPr>
         <p:spPr>
           <a:xfrm>
-            <a:off x="2051804" y="2474262"/>
-            <a:ext cx="10737763" cy="666512"/>
+            <a:off x="2051804" y="2474261"/>
+            <a:ext cx="10737763" cy="1219771"/>
           </a:xfrm>
           <a:prstGeom prst="rect">
             <a:avLst/>
@@ -6737,132 +7045,44 @@
           <a:bodyPr wrap="square" rtlCol="0" anchor="t"/>
           <a:lstStyle/>
           <a:p>
-            <a:pPr marL="0" indent="0">
+            <a:pPr marL="0" indent="0" algn="just">
               <a:lnSpc>
                 <a:spcPts val="2624"/>
               </a:lnSpc>
               <a:buNone/>
             </a:pPr>
             <a:r>
-              <a:rPr lang="en-US" sz="2400" dirty="0">
-                <a:solidFill>
-                  <a:srgbClr val="272525"/>
-                </a:solidFill>
-                <a:latin typeface="Eudoxus Sans" pitchFamily="34" charset="0"/>
-                <a:ea typeface="Eudoxus Sans" pitchFamily="34" charset="-122"/>
-                <a:cs typeface="Eudoxus Sans" pitchFamily="34" charset="-120"/>
-              </a:rPr>
-              <a:t>Se </a:t>
-            </a:r>
-            <a:r>
-              <a:rPr lang="en-US" sz="2400" dirty="0" err="1">
-                <a:solidFill>
-                  <a:srgbClr val="272525"/>
-                </a:solidFill>
-                <a:latin typeface="Eudoxus Sans" pitchFamily="34" charset="0"/>
-                <a:ea typeface="Eudoxus Sans" pitchFamily="34" charset="-122"/>
-                <a:cs typeface="Eudoxus Sans" pitchFamily="34" charset="-120"/>
-              </a:rPr>
-              <a:t>diseñará</a:t>
-            </a:r>
-            <a:r>
-              <a:rPr lang="en-US" sz="2400" dirty="0">
-                <a:solidFill>
-                  <a:srgbClr val="272525"/>
-                </a:solidFill>
-                <a:latin typeface="Eudoxus Sans" pitchFamily="34" charset="0"/>
-                <a:ea typeface="Eudoxus Sans" pitchFamily="34" charset="-122"/>
-                <a:cs typeface="Eudoxus Sans" pitchFamily="34" charset="-120"/>
-              </a:rPr>
-              <a:t> una arquitectura de Big Data que incluya </a:t>
-            </a:r>
-            <a:r>
-              <a:rPr lang="en-US" sz="2400" dirty="0" err="1">
-                <a:solidFill>
-                  <a:srgbClr val="272525"/>
-                </a:solidFill>
-                <a:latin typeface="Eudoxus Sans" pitchFamily="34" charset="0"/>
-                <a:ea typeface="Eudoxus Sans" pitchFamily="34" charset="-122"/>
-                <a:cs typeface="Eudoxus Sans" pitchFamily="34" charset="-120"/>
-              </a:rPr>
-              <a:t>tres</a:t>
-            </a:r>
-            <a:r>
-              <a:rPr lang="en-US" sz="2400" dirty="0">
-                <a:solidFill>
-                  <a:srgbClr val="272525"/>
-                </a:solidFill>
-                <a:latin typeface="Eudoxus Sans" pitchFamily="34" charset="0"/>
-                <a:ea typeface="Eudoxus Sans" pitchFamily="34" charset="-122"/>
-                <a:cs typeface="Eudoxus Sans" pitchFamily="34" charset="-120"/>
-              </a:rPr>
-              <a:t> zonas de </a:t>
-            </a:r>
-            <a:r>
-              <a:rPr lang="en-US" sz="2400" dirty="0" err="1">
-                <a:solidFill>
-                  <a:srgbClr val="272525"/>
-                </a:solidFill>
-                <a:latin typeface="Eudoxus Sans" pitchFamily="34" charset="0"/>
-                <a:ea typeface="Eudoxus Sans" pitchFamily="34" charset="-122"/>
-                <a:cs typeface="Eudoxus Sans" pitchFamily="34" charset="-120"/>
-              </a:rPr>
-              <a:t>almacenamiento</a:t>
-            </a:r>
-            <a:r>
-              <a:rPr lang="en-US" sz="2400" dirty="0">
-                <a:solidFill>
-                  <a:srgbClr val="272525"/>
-                </a:solidFill>
-                <a:latin typeface="Eudoxus Sans" pitchFamily="34" charset="0"/>
-                <a:ea typeface="Eudoxus Sans" pitchFamily="34" charset="-122"/>
-                <a:cs typeface="Eudoxus Sans" pitchFamily="34" charset="-120"/>
-              </a:rPr>
-              <a:t> de </a:t>
-            </a:r>
-            <a:r>
-              <a:rPr lang="en-US" sz="2400" dirty="0" err="1">
-                <a:solidFill>
-                  <a:srgbClr val="272525"/>
-                </a:solidFill>
-                <a:latin typeface="Eudoxus Sans" pitchFamily="34" charset="0"/>
-                <a:ea typeface="Eudoxus Sans" pitchFamily="34" charset="-122"/>
-                <a:cs typeface="Eudoxus Sans" pitchFamily="34" charset="-120"/>
-              </a:rPr>
-              <a:t>los</a:t>
-            </a:r>
-            <a:r>
-              <a:rPr lang="en-US" sz="2400" dirty="0">
-                <a:solidFill>
-                  <a:srgbClr val="272525"/>
-                </a:solidFill>
-                <a:latin typeface="Eudoxus Sans" pitchFamily="34" charset="0"/>
-                <a:ea typeface="Eudoxus Sans" pitchFamily="34" charset="-122"/>
-                <a:cs typeface="Eudoxus Sans" pitchFamily="34" charset="-120"/>
-              </a:rPr>
-              <a:t> </a:t>
-            </a:r>
-            <a:r>
-              <a:rPr lang="en-US" sz="2400" dirty="0" err="1">
-                <a:solidFill>
-                  <a:srgbClr val="272525"/>
-                </a:solidFill>
-                <a:latin typeface="Eudoxus Sans" pitchFamily="34" charset="0"/>
-                <a:ea typeface="Eudoxus Sans" pitchFamily="34" charset="-122"/>
-                <a:cs typeface="Eudoxus Sans" pitchFamily="34" charset="-120"/>
-              </a:rPr>
-              <a:t>datos</a:t>
-            </a:r>
-            <a:r>
-              <a:rPr lang="en-US" sz="2400" dirty="0">
-                <a:solidFill>
-                  <a:srgbClr val="272525"/>
-                </a:solidFill>
-                <a:latin typeface="Eudoxus Sans" pitchFamily="34" charset="0"/>
-                <a:ea typeface="Eudoxus Sans" pitchFamily="34" charset="-122"/>
-                <a:cs typeface="Eudoxus Sans" pitchFamily="34" charset="-120"/>
-              </a:rPr>
-              <a:t> : Bronze, Silver y Gold. Cada zona tendrá un propósito específico en el flujo de datos.</a:t>
+              <a:rPr lang="es-ES" sz="2400" dirty="0">
+                <a:solidFill>
+                  <a:srgbClr val="272525"/>
+                </a:solidFill>
+                <a:latin typeface="Eudoxus Sans" pitchFamily="34" charset="0"/>
+                <a:ea typeface="Eudoxus Sans" pitchFamily="34" charset="-122"/>
+                <a:cs typeface="Eudoxus Sans" pitchFamily="34" charset="-120"/>
+              </a:rPr>
+              <a:t>Se diseñará una arquitectura de Big Data que incluya tres zonas de almacenamiento de los datos : </a:t>
+            </a:r>
+            <a:r>
+              <a:rPr lang="es-ES" sz="2400" dirty="0" err="1">
+                <a:solidFill>
+                  <a:srgbClr val="272525"/>
+                </a:solidFill>
+                <a:latin typeface="Eudoxus Sans" pitchFamily="34" charset="0"/>
+                <a:ea typeface="Eudoxus Sans" pitchFamily="34" charset="-122"/>
+                <a:cs typeface="Eudoxus Sans" pitchFamily="34" charset="-120"/>
+              </a:rPr>
+              <a:t>Bronze</a:t>
+            </a:r>
+            <a:r>
+              <a:rPr lang="es-ES" sz="2400" dirty="0">
+                <a:solidFill>
+                  <a:srgbClr val="272525"/>
+                </a:solidFill>
+                <a:latin typeface="Eudoxus Sans" pitchFamily="34" charset="0"/>
+                <a:ea typeface="Eudoxus Sans" pitchFamily="34" charset="-122"/>
+                <a:cs typeface="Eudoxus Sans" pitchFamily="34" charset="-120"/>
+              </a:rPr>
+              <a:t>, Silver y Gold. Cada zona tendrá un propósito específico en el flujo de datos.</a:t>
             </a:r>
             <a:endParaRPr lang="en-US" sz="2400" dirty="0"/>
           </a:p>
@@ -6931,7 +7151,7 @@
           <a:bodyPr wrap="square" rtlCol="0" anchor="t"/>
           <a:lstStyle/>
           <a:p>
-            <a:pPr marL="0" indent="0">
+            <a:pPr marL="0" indent="0" algn="just">
               <a:lnSpc>
                 <a:spcPts val="2624"/>
               </a:lnSpc>
@@ -7015,13 +7235,24 @@
           <a:bodyPr wrap="square" rtlCol="0" anchor="t"/>
           <a:lstStyle/>
           <a:p>
-            <a:pPr marL="0" indent="0">
+            <a:pPr marL="0" indent="0" algn="just">
               <a:lnSpc>
                 <a:spcPts val="2624"/>
               </a:lnSpc>
               <a:buNone/>
             </a:pPr>
             <a:r>
+              <a:rPr lang="en-US" sz="2400" dirty="0" err="1">
+                <a:solidFill>
+                  <a:srgbClr val="272525"/>
+                </a:solidFill>
+                <a:latin typeface="Eudoxus Sans" pitchFamily="34" charset="0"/>
+                <a:ea typeface="Eudoxus Sans" pitchFamily="34" charset="-122"/>
+                <a:cs typeface="Eudoxus Sans" pitchFamily="34" charset="-120"/>
+              </a:rPr>
+              <a:t>Datos</a:t>
+            </a:r>
+            <a:r>
               <a:rPr lang="en-US" sz="2400" dirty="0">
                 <a:solidFill>
                   <a:srgbClr val="272525"/>
@@ -7030,7 +7261,7 @@
                 <a:ea typeface="Eudoxus Sans" pitchFamily="34" charset="-122"/>
                 <a:cs typeface="Eudoxus Sans" pitchFamily="34" charset="-120"/>
               </a:rPr>
-              <a:t>Datos limpiados y </a:t>
+              <a:t> </a:t>
             </a:r>
             <a:r>
               <a:rPr lang="en-US" sz="2400" dirty="0" err="1">
@@ -7041,6 +7272,28 @@
                 <a:ea typeface="Eudoxus Sans" pitchFamily="34" charset="-122"/>
                 <a:cs typeface="Eudoxus Sans" pitchFamily="34" charset="-120"/>
               </a:rPr>
+              <a:t>organizados</a:t>
+            </a:r>
+            <a:r>
+              <a:rPr lang="en-US" sz="2400" dirty="0">
+                <a:solidFill>
+                  <a:srgbClr val="272525"/>
+                </a:solidFill>
+                <a:latin typeface="Eudoxus Sans" pitchFamily="34" charset="0"/>
+                <a:ea typeface="Eudoxus Sans" pitchFamily="34" charset="-122"/>
+                <a:cs typeface="Eudoxus Sans" pitchFamily="34" charset="-120"/>
+              </a:rPr>
+              <a:t> y </a:t>
+            </a:r>
+            <a:r>
+              <a:rPr lang="en-US" sz="2400" dirty="0" err="1">
+                <a:solidFill>
+                  <a:srgbClr val="272525"/>
+                </a:solidFill>
+                <a:latin typeface="Eudoxus Sans" pitchFamily="34" charset="0"/>
+                <a:ea typeface="Eudoxus Sans" pitchFamily="34" charset="-122"/>
+                <a:cs typeface="Eudoxus Sans" pitchFamily="34" charset="-120"/>
+              </a:rPr>
               <a:t>procesados</a:t>
             </a:r>
             <a:r>
@@ -7052,7 +7305,7 @@
                 <a:ea typeface="Eudoxus Sans" pitchFamily="34" charset="-122"/>
                 <a:cs typeface="Eudoxus Sans" pitchFamily="34" charset="-120"/>
               </a:rPr>
-              <a:t>, se </a:t>
+              <a:t>. Se </a:t>
             </a:r>
             <a:r>
               <a:rPr lang="en-US" sz="2400" dirty="0" err="1">
@@ -7130,6 +7383,17 @@
                 <a:cs typeface="Eudoxus Sans" pitchFamily="34" charset="-120"/>
               </a:rPr>
               <a:t>negocio</a:t>
+            </a:r>
+            <a:r>
+              <a:rPr lang="en-US" sz="2400" dirty="0">
+                <a:solidFill>
+                  <a:srgbClr val="272525"/>
+                </a:solidFill>
+                <a:latin typeface="Eudoxus Sans" pitchFamily="34" charset="0"/>
+                <a:ea typeface="Eudoxus Sans" pitchFamily="34" charset="-122"/>
+                <a:cs typeface="Eudoxus Sans" pitchFamily="34" charset="-120"/>
+              </a:rPr>
+              <a:t>.</a:t>
             </a:r>
             <a:endParaRPr lang="en-US" sz="2400" dirty="0"/>
           </a:p>
@@ -7198,7 +7462,7 @@
           <a:bodyPr wrap="square" rtlCol="0" anchor="t"/>
           <a:lstStyle/>
           <a:p>
-            <a:pPr marL="0" indent="0">
+            <a:pPr marL="0" indent="0" algn="just">
               <a:lnSpc>
                 <a:spcPts val="2624"/>
               </a:lnSpc>
@@ -7367,7 +7631,7 @@
                 <a:ea typeface="Eudoxus Sans" pitchFamily="34" charset="-122"/>
                 <a:cs typeface="Eudoxus Sans" pitchFamily="34" charset="-120"/>
               </a:rPr>
-              <a:t> </a:t>
+              <a:t> por </a:t>
             </a:r>
             <a:r>
               <a:rPr lang="en-US" sz="2400" dirty="0" err="1">
@@ -7378,7 +7642,7 @@
                 <a:ea typeface="Eudoxus Sans" pitchFamily="34" charset="-122"/>
                 <a:cs typeface="Eudoxus Sans" pitchFamily="34" charset="-120"/>
               </a:rPr>
-              <a:t>por</a:t>
+              <a:t>fecha</a:t>
             </a:r>
             <a:r>
               <a:rPr lang="en-US" sz="2400" dirty="0">
@@ -7389,18 +7653,7 @@
                 <a:ea typeface="Eudoxus Sans" pitchFamily="34" charset="-122"/>
                 <a:cs typeface="Eudoxus Sans" pitchFamily="34" charset="-120"/>
               </a:rPr>
-              <a:t> </a:t>
-            </a:r>
-            <a:r>
-              <a:rPr lang="en-US" sz="2400" dirty="0" err="1">
-                <a:solidFill>
-                  <a:srgbClr val="272525"/>
-                </a:solidFill>
-                <a:latin typeface="Eudoxus Sans" pitchFamily="34" charset="0"/>
-                <a:ea typeface="Eudoxus Sans" pitchFamily="34" charset="-122"/>
-                <a:cs typeface="Eudoxus Sans" pitchFamily="34" charset="-120"/>
-              </a:rPr>
-              <a:t>fecha</a:t>
+              <a:t>.</a:t>
             </a:r>
             <a:endParaRPr lang="en-US" sz="2400" dirty="0"/>
           </a:p>
@@ -7558,7 +7811,7 @@
           <a:bodyPr wrap="square" rtlCol="0" anchor="t"/>
           <a:lstStyle/>
           <a:p>
-            <a:pPr marL="0" indent="0">
+            <a:pPr marL="0" indent="0" algn="just">
               <a:lnSpc>
                 <a:spcPts val="2624"/>
               </a:lnSpc>
@@ -7661,7 +7914,7 @@
                 <a:ea typeface="Eudoxus Sans" pitchFamily="34" charset="-122"/>
                 <a:cs typeface="Eudoxus Sans" pitchFamily="34" charset="-120"/>
               </a:rPr>
-              <a:t> para </a:t>
+              <a:t> para los </a:t>
             </a:r>
             <a:r>
               <a:rPr lang="en-US" sz="2400" dirty="0" err="1">
@@ -7672,29 +7925,7 @@
                 <a:ea typeface="Eudoxus Sans" pitchFamily="34" charset="-122"/>
                 <a:cs typeface="Eudoxus Sans" pitchFamily="34" charset="-120"/>
               </a:rPr>
-              <a:t>los</a:t>
-            </a:r>
-            <a:r>
-              <a:rPr lang="en-US" sz="2400" dirty="0">
-                <a:solidFill>
-                  <a:srgbClr val="272525"/>
-                </a:solidFill>
-                <a:latin typeface="Eudoxus Sans" pitchFamily="34" charset="0"/>
-                <a:ea typeface="Eudoxus Sans" pitchFamily="34" charset="-122"/>
-                <a:cs typeface="Eudoxus Sans" pitchFamily="34" charset="-120"/>
-              </a:rPr>
-              <a:t> </a:t>
-            </a:r>
-            <a:r>
-              <a:rPr lang="en-US" sz="2400" dirty="0" err="1">
-                <a:solidFill>
-                  <a:srgbClr val="272525"/>
-                </a:solidFill>
-                <a:latin typeface="Eudoxus Sans" pitchFamily="34" charset="0"/>
-                <a:ea typeface="Eudoxus Sans" pitchFamily="34" charset="-122"/>
-                <a:cs typeface="Eudoxus Sans" pitchFamily="34" charset="-120"/>
-              </a:rPr>
-              <a:t>proceso</a:t>
+              <a:t>procesos</a:t>
             </a:r>
             <a:r>
               <a:rPr lang="en-US" sz="2400" dirty="0">
@@ -8062,7 +8293,7 @@
           <p:nvPr>
             <p:extLst>
               <p:ext uri="{D42A27DB-BD31-4B8C-83A1-F6EECF244321}">
-                <p14:modId xmlns:p14="http://schemas.microsoft.com/office/powerpoint/2010/main" val="394301179"/>
+                <p14:modId xmlns:p14="http://schemas.microsoft.com/office/powerpoint/2010/main" val="2535099122"/>
               </p:ext>
             </p:extLst>
           </p:nvPr>
@@ -8218,7 +8449,7 @@
           <a:bodyPr wrap="square" rtlCol="0" anchor="t"/>
           <a:lstStyle/>
           <a:p>
-            <a:pPr marL="0" indent="0">
+            <a:pPr marL="0" indent="0" algn="just">
               <a:lnSpc>
                 <a:spcPts val="2624"/>
               </a:lnSpc>
@@ -8266,7 +8497,7 @@
                 <a:ea typeface="Eudoxus Sans" pitchFamily="34" charset="-122"/>
                 <a:cs typeface="Eudoxus Sans" pitchFamily="34" charset="-120"/>
               </a:rPr>
-              <a:t>UNALwater</a:t>
+              <a:t>UNALWater</a:t>
             </a:r>
             <a:r>
               <a:rPr lang="en-US" sz="2000" dirty="0">
@@ -8503,38 +8734,8 @@
         </p:blipFill>
         <p:spPr>
           <a:xfrm>
-            <a:off x="5983983" y="3402459"/>
+            <a:off x="5983983" y="3714431"/>
             <a:ext cx="8148833" cy="2656722"/>
-          </a:xfrm>
-          <a:prstGeom prst="rect">
-            <a:avLst/>
-          </a:prstGeom>
-        </p:spPr>
-      </p:pic>
-      <p:pic>
-        <p:nvPicPr>
-          <p:cNvPr id="18" name="Imagen 17">
-            <a:extLst>
-              <a:ext uri="{FF2B5EF4-FFF2-40B4-BE49-F238E27FC236}">
-                <a16:creationId xmlns:a16="http://schemas.microsoft.com/office/drawing/2014/main" id="{D13D8B7F-9646-E439-F14A-AA5A39D4DC26}"/>
-              </a:ext>
-            </a:extLst>
-          </p:cNvPr>
-          <p:cNvPicPr>
-            <a:picLocks noChangeAspect="1"/>
-          </p:cNvPicPr>
-          <p:nvPr/>
-        </p:nvPicPr>
-        <p:blipFill>
-          <a:blip r:embed="rId5"/>
-          <a:stretch>
-            <a:fillRect/>
-          </a:stretch>
-        </p:blipFill>
-        <p:spPr>
-          <a:xfrm>
-            <a:off x="365558" y="1079392"/>
-            <a:ext cx="4025252" cy="3650017"/>
           </a:xfrm>
           <a:prstGeom prst="rect">
             <a:avLst/>
@@ -8556,7 +8757,7 @@
           <p:nvPr/>
         </p:nvPicPr>
         <p:blipFill>
-          <a:blip r:embed="rId6"/>
+          <a:blip r:embed="rId5"/>
           <a:stretch>
             <a:fillRect/>
           </a:stretch>
@@ -8565,6 +8766,36 @@
           <a:xfrm>
             <a:off x="281337" y="4566409"/>
             <a:ext cx="4109473" cy="2465684"/>
+          </a:xfrm>
+          <a:prstGeom prst="rect">
+            <a:avLst/>
+          </a:prstGeom>
+        </p:spPr>
+      </p:pic>
+      <p:pic>
+        <p:nvPicPr>
+          <p:cNvPr id="7" name="Picture 6">
+            <a:extLst>
+              <a:ext uri="{FF2B5EF4-FFF2-40B4-BE49-F238E27FC236}">
+                <a16:creationId xmlns:a16="http://schemas.microsoft.com/office/drawing/2014/main" id="{E2BB983E-C4B3-4E54-9873-602A5A22B54D}"/>
+              </a:ext>
+            </a:extLst>
+          </p:cNvPr>
+          <p:cNvPicPr>
+            <a:picLocks noChangeAspect="1"/>
+          </p:cNvPicPr>
+          <p:nvPr/>
+        </p:nvPicPr>
+        <p:blipFill>
+          <a:blip r:embed="rId6"/>
+          <a:stretch>
+            <a:fillRect/>
+          </a:stretch>
+        </p:blipFill>
+        <p:spPr>
+          <a:xfrm>
+            <a:off x="281336" y="1545883"/>
+            <a:ext cx="4109473" cy="2859530"/>
           </a:xfrm>
           <a:prstGeom prst="rect">
             <a:avLst/>
